--- a/rust-advanced/03 - Slices/03 - original.pptx
+++ b/rust-advanced/03 - Slices/03 - original.pptx
@@ -450,7 +450,7 @@
           <a:p>
             <a:fld id="{A4DA2782-939F-4899-A613-66B7577730D4}" type="datetimeFigureOut">
               <a:rPr lang="de-DE" smtClean="0"/>
-              <a:t>14.05.2024</a:t>
+              <a:t>16.05.2024</a:t>
             </a:fld>
             <a:endParaRPr lang="de-DE"/>
           </a:p>
@@ -1352,7 +1352,7 @@
           <a:p>
             <a:fld id="{2058960E-BC26-40F5-A413-208A36E13F33}" type="datetime1">
               <a:rPr lang="de-DE" smtClean="0"/>
-              <a:t>14.05.2024</a:t>
+              <a:t>16.05.2024</a:t>
             </a:fld>
             <a:endParaRPr lang="de-DE"/>
           </a:p>
@@ -2577,7 +2577,7 @@
           <a:p>
             <a:fld id="{5365C712-9836-40AB-B946-3918DB951AFA}" type="datetime1">
               <a:rPr lang="de-DE" smtClean="0"/>
-              <a:t>14.05.2024</a:t>
+              <a:t>16.05.2024</a:t>
             </a:fld>
             <a:endParaRPr lang="de-DE"/>
           </a:p>
@@ -2735,7 +2735,7 @@
           <a:p>
             <a:fld id="{EFBD20B8-7795-43EC-9032-8065F01AFC0B}" type="datetime1">
               <a:rPr lang="de-DE" smtClean="0"/>
-              <a:t>14.05.2024</a:t>
+              <a:t>16.05.2024</a:t>
             </a:fld>
             <a:endParaRPr lang="de-DE"/>
           </a:p>
@@ -3829,7 +3829,7 @@
           <a:p>
             <a:fld id="{8F7200E9-C2F4-4C66-8512-1936B6BB2857}" type="datetime1">
               <a:rPr lang="de-DE" smtClean="0"/>
-              <a:t>14.05.2024</a:t>
+              <a:t>16.05.2024</a:t>
             </a:fld>
             <a:endParaRPr lang="de-DE"/>
           </a:p>
@@ -4352,7 +4352,7 @@
           <a:p>
             <a:fld id="{54C89A26-6BF9-4F51-A6B6-262898CCBCD8}" type="datetime1">
               <a:rPr lang="de-DE" smtClean="0"/>
-              <a:t>14.05.2024</a:t>
+              <a:t>16.05.2024</a:t>
             </a:fld>
             <a:endParaRPr lang="de-DE"/>
           </a:p>
@@ -5008,7 +5008,7 @@
           <a:p>
             <a:fld id="{4DE784CD-C09F-4BEC-AFF3-80EE0E820C2D}" type="datetime1">
               <a:rPr lang="de-DE" smtClean="0"/>
-              <a:t>14.05.2024</a:t>
+              <a:t>16.05.2024</a:t>
             </a:fld>
             <a:endParaRPr lang="de-DE"/>
           </a:p>
@@ -5398,7 +5398,7 @@
           <a:p>
             <a:fld id="{7FC9AE79-FF32-4B64-AD57-A38BB1357C56}" type="datetime1">
               <a:rPr lang="de-DE" smtClean="0"/>
-              <a:t>14.05.2024</a:t>
+              <a:t>16.05.2024</a:t>
             </a:fld>
             <a:endParaRPr lang="de-DE"/>
           </a:p>
@@ -5921,7 +5921,7 @@
           <a:p>
             <a:fld id="{0F580DED-E1A9-4DC6-A076-077B462BD53D}" type="datetime1">
               <a:rPr lang="de-DE" smtClean="0"/>
-              <a:t>14.05.2024</a:t>
+              <a:t>16.05.2024</a:t>
             </a:fld>
             <a:endParaRPr lang="de-DE"/>
           </a:p>
@@ -7015,7 +7015,7 @@
           <a:p>
             <a:fld id="{9B884256-9224-4BBC-8A86-F77D397AA44C}" type="datetime1">
               <a:rPr lang="de-DE" smtClean="0"/>
-              <a:t>14.05.2024</a:t>
+              <a:t>16.05.2024</a:t>
             </a:fld>
             <a:endParaRPr lang="de-DE"/>
           </a:p>
@@ -7698,7 +7698,7 @@
           <a:p>
             <a:fld id="{CBB53BD5-BE95-428F-AC7E-FF042440A80F}" type="datetime1">
               <a:rPr lang="de-DE" smtClean="0"/>
-              <a:t>14.05.2024</a:t>
+              <a:t>16.05.2024</a:t>
             </a:fld>
             <a:endParaRPr lang="de-DE"/>
           </a:p>
@@ -8007,7 +8007,7 @@
           <a:p>
             <a:fld id="{730039E3-91B6-4B3C-B41C-70D350F8DFAE}" type="datetime1">
               <a:rPr lang="de-DE" smtClean="0"/>
-              <a:t>14.05.2024</a:t>
+              <a:t>16.05.2024</a:t>
             </a:fld>
             <a:endParaRPr lang="de-DE"/>
           </a:p>
@@ -8776,7 +8776,7 @@
           <a:p>
             <a:fld id="{16AE6900-A893-4B64-A181-3B55ED2DFABB}" type="datetime1">
               <a:rPr lang="de-DE" smtClean="0"/>
-              <a:t>14.05.2024</a:t>
+              <a:t>16.05.2024</a:t>
             </a:fld>
             <a:endParaRPr lang="de-DE"/>
           </a:p>
@@ -9863,7 +9863,7 @@
           <a:p>
             <a:fld id="{CA7C1D41-1151-4F67-9DD4-802C82914A01}" type="datetime1">
               <a:rPr lang="de-DE" smtClean="0"/>
-              <a:t>14.05.2024</a:t>
+              <a:t>16.05.2024</a:t>
             </a:fld>
             <a:endParaRPr lang="de-DE"/>
           </a:p>
@@ -9983,7 +9983,7 @@
           <a:p>
             <a:fld id="{CA7C1D41-1151-4F67-9DD4-802C82914A01}" type="datetime1">
               <a:rPr lang="de-DE" smtClean="0"/>
-              <a:t>14.05.2024</a:t>
+              <a:t>16.05.2024</a:t>
             </a:fld>
             <a:endParaRPr lang="de-DE"/>
           </a:p>
@@ -10188,7 +10188,7 @@
           <a:p>
             <a:fld id="{CA7C1D41-1151-4F67-9DD4-802C82914A01}" type="datetime1">
               <a:rPr lang="de-DE" smtClean="0"/>
-              <a:t>14.05.2024</a:t>
+              <a:t>16.05.2024</a:t>
             </a:fld>
             <a:endParaRPr lang="de-DE"/>
           </a:p>
@@ -10393,7 +10393,7 @@
           <a:p>
             <a:fld id="{CA7C1D41-1151-4F67-9DD4-802C82914A01}" type="datetime1">
               <a:rPr lang="de-DE" smtClean="0"/>
-              <a:t>14.05.2024</a:t>
+              <a:t>16.05.2024</a:t>
             </a:fld>
             <a:endParaRPr lang="de-DE"/>
           </a:p>
@@ -10599,7 +10599,7 @@
           <a:p>
             <a:fld id="{CA7C1D41-1151-4F67-9DD4-802C82914A01}" type="datetime1">
               <a:rPr lang="de-DE" smtClean="0"/>
-              <a:t>14.05.2024</a:t>
+              <a:t>16.05.2024</a:t>
             </a:fld>
             <a:endParaRPr lang="de-DE"/>
           </a:p>
@@ -10883,7 +10883,7 @@
           <a:p>
             <a:fld id="{CA7C1D41-1151-4F67-9DD4-802C82914A01}" type="datetime1">
               <a:rPr lang="de-DE" smtClean="0"/>
-              <a:t>14.05.2024</a:t>
+              <a:t>16.05.2024</a:t>
             </a:fld>
             <a:endParaRPr lang="de-DE"/>
           </a:p>
@@ -11033,7 +11033,7 @@
           <a:p>
             <a:fld id="{CA7C1D41-1151-4F67-9DD4-802C82914A01}" type="datetime1">
               <a:rPr lang="de-DE" smtClean="0"/>
-              <a:t>14.05.2024</a:t>
+              <a:t>16.05.2024</a:t>
             </a:fld>
             <a:endParaRPr lang="de-DE"/>
           </a:p>
@@ -11371,7 +11371,7 @@
           <a:p>
             <a:fld id="{CA7C1D41-1151-4F67-9DD4-802C82914A01}" type="datetime1">
               <a:rPr lang="de-DE" smtClean="0"/>
-              <a:t>14.05.2024</a:t>
+              <a:t>16.05.2024</a:t>
             </a:fld>
             <a:endParaRPr lang="de-DE"/>
           </a:p>
@@ -11562,7 +11562,7 @@
           <a:p>
             <a:fld id="{CA7C1D41-1151-4F67-9DD4-802C82914A01}" type="datetime1">
               <a:rPr lang="de-DE" smtClean="0"/>
-              <a:t>14.05.2024</a:t>
+              <a:t>16.05.2024</a:t>
             </a:fld>
             <a:endParaRPr lang="de-DE"/>
           </a:p>
@@ -11820,7 +11820,7 @@
           <a:p>
             <a:fld id="{CA7C1D41-1151-4F67-9DD4-802C82914A01}" type="datetime1">
               <a:rPr lang="de-DE" smtClean="0"/>
-              <a:t>14.05.2024</a:t>
+              <a:t>16.05.2024</a:t>
             </a:fld>
             <a:endParaRPr lang="de-DE"/>
           </a:p>
@@ -12000,7 +12000,7 @@
           <a:p>
             <a:fld id="{CA7C1D41-1151-4F67-9DD4-802C82914A01}" type="datetime1">
               <a:rPr lang="de-DE" smtClean="0"/>
-              <a:t>14.05.2024</a:t>
+              <a:t>16.05.2024</a:t>
             </a:fld>
             <a:endParaRPr lang="de-DE"/>
           </a:p>
@@ -12265,7 +12265,7 @@
           <a:p>
             <a:fld id="{CA7C1D41-1151-4F67-9DD4-802C82914A01}" type="datetime1">
               <a:rPr lang="de-DE" smtClean="0"/>
-              <a:t>14.05.2024</a:t>
+              <a:t>16.05.2024</a:t>
             </a:fld>
             <a:endParaRPr lang="de-DE"/>
           </a:p>
@@ -12385,7 +12385,7 @@
           <a:p>
             <a:fld id="{CA7C1D41-1151-4F67-9DD4-802C82914A01}" type="datetime1">
               <a:rPr lang="de-DE" smtClean="0"/>
-              <a:t>14.05.2024</a:t>
+              <a:t>16.05.2024</a:t>
             </a:fld>
             <a:endParaRPr lang="de-DE"/>
           </a:p>
@@ -12600,7 +12600,7 @@
           <a:p>
             <a:fld id="{CA7C1D41-1151-4F67-9DD4-802C82914A01}" type="datetime1">
               <a:rPr lang="de-DE" smtClean="0"/>
-              <a:t>14.05.2024</a:t>
+              <a:t>16.05.2024</a:t>
             </a:fld>
             <a:endParaRPr lang="de-DE"/>
           </a:p>
@@ -12905,7 +12905,7 @@
           <a:p>
             <a:fld id="{CA7C1D41-1151-4F67-9DD4-802C82914A01}" type="datetime1">
               <a:rPr lang="de-DE" smtClean="0"/>
-              <a:t>14.05.2024</a:t>
+              <a:t>16.05.2024</a:t>
             </a:fld>
             <a:endParaRPr lang="de-DE"/>
           </a:p>
@@ -13273,7 +13273,7 @@
           <a:p>
             <a:fld id="{CA7C1D41-1151-4F67-9DD4-802C82914A01}" type="datetime1">
               <a:rPr lang="de-DE" smtClean="0"/>
-              <a:t>14.05.2024</a:t>
+              <a:t>16.05.2024</a:t>
             </a:fld>
             <a:endParaRPr lang="de-DE"/>
           </a:p>
@@ -13741,7 +13741,7 @@
           <a:p>
             <a:fld id="{CA7C1D41-1151-4F67-9DD4-802C82914A01}" type="datetime1">
               <a:rPr lang="de-DE" smtClean="0"/>
-              <a:t>14.05.2024</a:t>
+              <a:t>16.05.2024</a:t>
             </a:fld>
             <a:endParaRPr lang="de-DE"/>
           </a:p>
@@ -14258,7 +14258,7 @@
           <a:p>
             <a:fld id="{CA7C1D41-1151-4F67-9DD4-802C82914A01}" type="datetime1">
               <a:rPr lang="de-DE" smtClean="0"/>
-              <a:t>14.05.2024</a:t>
+              <a:t>16.05.2024</a:t>
             </a:fld>
             <a:endParaRPr lang="de-DE"/>
           </a:p>
@@ -14420,7 +14420,7 @@
           <a:p>
             <a:fld id="{CA7C1D41-1151-4F67-9DD4-802C82914A01}" type="datetime1">
               <a:rPr lang="de-DE" smtClean="0"/>
-              <a:t>14.05.2024</a:t>
+              <a:t>16.05.2024</a:t>
             </a:fld>
             <a:endParaRPr lang="de-DE"/>
           </a:p>
@@ -14621,7 +14621,7 @@
           <a:p>
             <a:fld id="{CA7C1D41-1151-4F67-9DD4-802C82914A01}" type="datetime1">
               <a:rPr lang="de-DE" smtClean="0"/>
-              <a:t>14.05.2024</a:t>
+              <a:t>16.05.2024</a:t>
             </a:fld>
             <a:endParaRPr lang="de-DE"/>
           </a:p>
@@ -14803,7 +14803,7 @@
           <a:p>
             <a:fld id="{CA7C1D41-1151-4F67-9DD4-802C82914A01}" type="datetime1">
               <a:rPr lang="de-DE" smtClean="0"/>
-              <a:t>14.05.2024</a:t>
+              <a:t>16.05.2024</a:t>
             </a:fld>
             <a:endParaRPr lang="de-DE"/>
           </a:p>
@@ -15015,7 +15015,7 @@
           <a:p>
             <a:fld id="{CA7C1D41-1151-4F67-9DD4-802C82914A01}" type="datetime1">
               <a:rPr lang="de-DE" smtClean="0"/>
-              <a:t>14.05.2024</a:t>
+              <a:t>16.05.2024</a:t>
             </a:fld>
             <a:endParaRPr lang="de-DE"/>
           </a:p>
@@ -15436,7 +15436,7 @@
           <a:p>
             <a:fld id="{CA7C1D41-1151-4F67-9DD4-802C82914A01}" type="datetime1">
               <a:rPr lang="de-DE" smtClean="0"/>
-              <a:t>14.05.2024</a:t>
+              <a:t>16.05.2024</a:t>
             </a:fld>
             <a:endParaRPr lang="de-DE"/>
           </a:p>
@@ -15618,7 +15618,7 @@
           <a:p>
             <a:fld id="{CA7C1D41-1151-4F67-9DD4-802C82914A01}" type="datetime1">
               <a:rPr lang="de-DE" smtClean="0"/>
-              <a:t>14.05.2024</a:t>
+              <a:t>16.05.2024</a:t>
             </a:fld>
             <a:endParaRPr lang="de-DE"/>
           </a:p>
@@ -15943,7 +15943,7 @@
           <a:p>
             <a:fld id="{CA7C1D41-1151-4F67-9DD4-802C82914A01}" type="datetime1">
               <a:rPr lang="de-DE" smtClean="0"/>
-              <a:t>14.05.2024</a:t>
+              <a:t>16.05.2024</a:t>
             </a:fld>
             <a:endParaRPr lang="de-DE"/>
           </a:p>
@@ -16232,7 +16232,7 @@
           <a:p>
             <a:fld id="{CA7C1D41-1151-4F67-9DD4-802C82914A01}" type="datetime1">
               <a:rPr lang="de-DE" smtClean="0"/>
-              <a:t>14.05.2024</a:t>
+              <a:t>16.05.2024</a:t>
             </a:fld>
             <a:endParaRPr lang="de-DE"/>
           </a:p>
@@ -16352,7 +16352,7 @@
           <a:p>
             <a:fld id="{CA7C1D41-1151-4F67-9DD4-802C82914A01}" type="datetime1">
               <a:rPr lang="de-DE" smtClean="0"/>
-              <a:t>14.05.2024</a:t>
+              <a:t>16.05.2024</a:t>
             </a:fld>
             <a:endParaRPr lang="de-DE"/>
           </a:p>
@@ -16502,7 +16502,7 @@
           <a:p>
             <a:fld id="{CA7C1D41-1151-4F67-9DD4-802C82914A01}" type="datetime1">
               <a:rPr lang="de-DE" smtClean="0"/>
-              <a:t>14.05.2024</a:t>
+              <a:t>16.05.2024</a:t>
             </a:fld>
             <a:endParaRPr lang="de-DE"/>
           </a:p>
@@ -16743,7 +16743,7 @@
           <a:p>
             <a:fld id="{CA7C1D41-1151-4F67-9DD4-802C82914A01}" type="datetime1">
               <a:rPr lang="de-DE" smtClean="0"/>
-              <a:t>14.05.2024</a:t>
+              <a:t>16.05.2024</a:t>
             </a:fld>
             <a:endParaRPr lang="de-DE"/>
           </a:p>
@@ -17105,7 +17105,7 @@
           <a:p>
             <a:fld id="{CA7C1D41-1151-4F67-9DD4-802C82914A01}" type="datetime1">
               <a:rPr lang="de-DE" smtClean="0"/>
-              <a:t>14.05.2024</a:t>
+              <a:t>16.05.2024</a:t>
             </a:fld>
             <a:endParaRPr lang="de-DE"/>
           </a:p>
@@ -17500,7 +17500,7 @@
           <a:p>
             <a:fld id="{CA7C1D41-1151-4F67-9DD4-802C82914A01}" type="datetime1">
               <a:rPr lang="de-DE" smtClean="0"/>
-              <a:t>14.05.2024</a:t>
+              <a:t>16.05.2024</a:t>
             </a:fld>
             <a:endParaRPr lang="de-DE"/>
           </a:p>
@@ -17646,7 +17646,7 @@
           <a:p>
             <a:fld id="{CA7C1D41-1151-4F67-9DD4-802C82914A01}" type="datetime1">
               <a:rPr lang="de-DE" smtClean="0"/>
-              <a:t>14.05.2024</a:t>
+              <a:t>16.05.2024</a:t>
             </a:fld>
             <a:endParaRPr lang="de-DE"/>
           </a:p>
@@ -17766,7 +17766,7 @@
           <a:p>
             <a:fld id="{CA7C1D41-1151-4F67-9DD4-802C82914A01}" type="datetime1">
               <a:rPr lang="de-DE" smtClean="0"/>
-              <a:t>14.05.2024</a:t>
+              <a:t>16.05.2024</a:t>
             </a:fld>
             <a:endParaRPr lang="de-DE"/>
           </a:p>
@@ -17916,7 +17916,7 @@
           <a:p>
             <a:fld id="{CA7C1D41-1151-4F67-9DD4-802C82914A01}" type="datetime1">
               <a:rPr lang="de-DE" smtClean="0"/>
-              <a:t>14.05.2024</a:t>
+              <a:t>16.05.2024</a:t>
             </a:fld>
             <a:endParaRPr lang="de-DE"/>
           </a:p>
@@ -18157,7 +18157,7 @@
           <a:p>
             <a:fld id="{CA7C1D41-1151-4F67-9DD4-802C82914A01}" type="datetime1">
               <a:rPr lang="de-DE" smtClean="0"/>
-              <a:t>14.05.2024</a:t>
+              <a:t>16.05.2024</a:t>
             </a:fld>
             <a:endParaRPr lang="de-DE"/>
           </a:p>
@@ -18489,7 +18489,7 @@
           <a:p>
             <a:fld id="{CA7C1D41-1151-4F67-9DD4-802C82914A01}" type="datetime1">
               <a:rPr lang="de-DE" smtClean="0"/>
-              <a:t>14.05.2024</a:t>
+              <a:t>16.05.2024</a:t>
             </a:fld>
             <a:endParaRPr lang="de-DE"/>
           </a:p>
@@ -18908,7 +18908,7 @@
           <a:p>
             <a:fld id="{CA7C1D41-1151-4F67-9DD4-802C82914A01}" type="datetime1">
               <a:rPr lang="de-DE" smtClean="0"/>
-              <a:t>14.05.2024</a:t>
+              <a:t>16.05.2024</a:t>
             </a:fld>
             <a:endParaRPr lang="de-DE"/>
           </a:p>
@@ -19418,7 +19418,7 @@
           <a:p>
             <a:fld id="{CA7C1D41-1151-4F67-9DD4-802C82914A01}" type="datetime1">
               <a:rPr lang="de-DE" smtClean="0"/>
-              <a:t>14.05.2024</a:t>
+              <a:t>16.05.2024</a:t>
             </a:fld>
             <a:endParaRPr lang="de-DE"/>
           </a:p>
@@ -19649,7 +19649,7 @@
           <a:p>
             <a:fld id="{CA7C1D41-1151-4F67-9DD4-802C82914A01}" type="datetime1">
               <a:rPr lang="de-DE" smtClean="0"/>
-              <a:t>14.05.2024</a:t>
+              <a:t>16.05.2024</a:t>
             </a:fld>
             <a:endParaRPr lang="de-DE"/>
           </a:p>
@@ -20087,7 +20087,7 @@
           <a:p>
             <a:fld id="{CA7C1D41-1151-4F67-9DD4-802C82914A01}" type="datetime1">
               <a:rPr lang="de-DE" smtClean="0"/>
-              <a:t>14.05.2024</a:t>
+              <a:t>16.05.2024</a:t>
             </a:fld>
             <a:endParaRPr lang="de-DE"/>
           </a:p>
@@ -20596,7 +20596,7 @@
           <a:p>
             <a:fld id="{CA7C1D41-1151-4F67-9DD4-802C82914A01}" type="datetime1">
               <a:rPr lang="de-DE" smtClean="0"/>
-              <a:t>14.05.2024</a:t>
+              <a:t>16.05.2024</a:t>
             </a:fld>
             <a:endParaRPr lang="de-DE"/>
           </a:p>
@@ -21034,7 +21034,7 @@
           <a:p>
             <a:fld id="{CA7C1D41-1151-4F67-9DD4-802C82914A01}" type="datetime1">
               <a:rPr lang="de-DE" smtClean="0"/>
-              <a:t>14.05.2024</a:t>
+              <a:t>16.05.2024</a:t>
             </a:fld>
             <a:endParaRPr lang="de-DE"/>
           </a:p>
@@ -21334,7 +21334,7 @@
           <a:p>
             <a:fld id="{CA7C1D41-1151-4F67-9DD4-802C82914A01}" type="datetime1">
               <a:rPr lang="de-DE" smtClean="0"/>
-              <a:t>14.05.2024</a:t>
+              <a:t>16.05.2024</a:t>
             </a:fld>
             <a:endParaRPr lang="de-DE"/>
           </a:p>
@@ -21454,7 +21454,7 @@
           <a:p>
             <a:fld id="{CA7C1D41-1151-4F67-9DD4-802C82914A01}" type="datetime1">
               <a:rPr lang="de-DE" smtClean="0"/>
-              <a:t>14.05.2024</a:t>
+              <a:t>16.05.2024</a:t>
             </a:fld>
             <a:endParaRPr lang="de-DE"/>
           </a:p>
@@ -21880,7 +21880,7 @@
           <a:p>
             <a:fld id="{CA7C1D41-1151-4F67-9DD4-802C82914A01}" type="datetime1">
               <a:rPr lang="de-DE" smtClean="0"/>
-              <a:t>14.05.2024</a:t>
+              <a:t>16.05.2024</a:t>
             </a:fld>
             <a:endParaRPr lang="de-DE"/>
           </a:p>
@@ -22030,7 +22030,7 @@
           <a:p>
             <a:fld id="{CA7C1D41-1151-4F67-9DD4-802C82914A01}" type="datetime1">
               <a:rPr lang="de-DE" smtClean="0"/>
-              <a:t>14.05.2024</a:t>
+              <a:t>16.05.2024</a:t>
             </a:fld>
             <a:endParaRPr lang="de-DE"/>
           </a:p>
@@ -22271,7 +22271,7 @@
           <a:p>
             <a:fld id="{CA7C1D41-1151-4F67-9DD4-802C82914A01}" type="datetime1">
               <a:rPr lang="de-DE" smtClean="0"/>
-              <a:t>14.05.2024</a:t>
+              <a:t>16.05.2024</a:t>
             </a:fld>
             <a:endParaRPr lang="de-DE"/>
           </a:p>
@@ -22512,7 +22512,7 @@
           <a:p>
             <a:fld id="{CA7C1D41-1151-4F67-9DD4-802C82914A01}" type="datetime1">
               <a:rPr lang="de-DE" smtClean="0"/>
-              <a:t>14.05.2024</a:t>
+              <a:t>16.05.2024</a:t>
             </a:fld>
             <a:endParaRPr lang="de-DE"/>
           </a:p>
@@ -22917,7 +22917,7 @@
           <a:p>
             <a:fld id="{CA7C1D41-1151-4F67-9DD4-802C82914A01}" type="datetime1">
               <a:rPr lang="de-DE" smtClean="0"/>
-              <a:t>14.05.2024</a:t>
+              <a:t>16.05.2024</a:t>
             </a:fld>
             <a:endParaRPr lang="de-DE"/>
           </a:p>
@@ -23442,7 +23442,7 @@
           <a:p>
             <a:fld id="{CA7C1D41-1151-4F67-9DD4-802C82914A01}" type="datetime1">
               <a:rPr lang="de-DE" smtClean="0"/>
-              <a:t>14.05.2024</a:t>
+              <a:t>16.05.2024</a:t>
             </a:fld>
             <a:endParaRPr lang="de-DE"/>
           </a:p>
@@ -23604,7 +23604,7 @@
           <a:p>
             <a:fld id="{CA7C1D41-1151-4F67-9DD4-802C82914A01}" type="datetime1">
               <a:rPr lang="de-DE" smtClean="0"/>
-              <a:t>14.05.2024</a:t>
+              <a:t>16.05.2024</a:t>
             </a:fld>
             <a:endParaRPr lang="de-DE"/>
           </a:p>
@@ -23798,7 +23798,7 @@
           <a:p>
             <a:fld id="{CA7C1D41-1151-4F67-9DD4-802C82914A01}" type="datetime1">
               <a:rPr lang="de-DE" smtClean="0"/>
-              <a:t>14.05.2024</a:t>
+              <a:t>16.05.2024</a:t>
             </a:fld>
             <a:endParaRPr lang="de-DE"/>
           </a:p>
@@ -24002,7 +24002,7 @@
           <a:p>
             <a:fld id="{CA7C1D41-1151-4F67-9DD4-802C82914A01}" type="datetime1">
               <a:rPr lang="de-DE" smtClean="0"/>
-              <a:t>14.05.2024</a:t>
+              <a:t>16.05.2024</a:t>
             </a:fld>
             <a:endParaRPr lang="de-DE"/>
           </a:p>
@@ -24160,7 +24160,7 @@
           <a:p>
             <a:fld id="{CA7C1D41-1151-4F67-9DD4-802C82914A01}" type="datetime1">
               <a:rPr lang="de-DE" smtClean="0"/>
-              <a:t>14.05.2024</a:t>
+              <a:t>16.05.2024</a:t>
             </a:fld>
             <a:endParaRPr lang="de-DE"/>
           </a:p>
@@ -24280,7 +24280,7 @@
           <a:p>
             <a:fld id="{CA7C1D41-1151-4F67-9DD4-802C82914A01}" type="datetime1">
               <a:rPr lang="de-DE" smtClean="0"/>
-              <a:t>14.05.2024</a:t>
+              <a:t>16.05.2024</a:t>
             </a:fld>
             <a:endParaRPr lang="de-DE"/>
           </a:p>
@@ -24430,7 +24430,7 @@
           <a:p>
             <a:fld id="{CA7C1D41-1151-4F67-9DD4-802C82914A01}" type="datetime1">
               <a:rPr lang="de-DE" smtClean="0"/>
-              <a:t>14.05.2024</a:t>
+              <a:t>16.05.2024</a:t>
             </a:fld>
             <a:endParaRPr lang="de-DE"/>
           </a:p>
@@ -24671,7 +24671,7 @@
           <a:p>
             <a:fld id="{CA7C1D41-1151-4F67-9DD4-802C82914A01}" type="datetime1">
               <a:rPr lang="de-DE" smtClean="0"/>
-              <a:t>14.05.2024</a:t>
+              <a:t>16.05.2024</a:t>
             </a:fld>
             <a:endParaRPr lang="de-DE"/>
           </a:p>
@@ -24912,7 +24912,7 @@
           <a:p>
             <a:fld id="{CA7C1D41-1151-4F67-9DD4-802C82914A01}" type="datetime1">
               <a:rPr lang="de-DE" smtClean="0"/>
-              <a:t>14.05.2024</a:t>
+              <a:t>16.05.2024</a:t>
             </a:fld>
             <a:endParaRPr lang="de-DE"/>
           </a:p>
@@ -25195,7 +25195,7 @@
           <a:p>
             <a:fld id="{CA7C1D41-1151-4F67-9DD4-802C82914A01}" type="datetime1">
               <a:rPr lang="de-DE" smtClean="0"/>
-              <a:t>14.05.2024</a:t>
+              <a:t>16.05.2024</a:t>
             </a:fld>
             <a:endParaRPr lang="de-DE"/>
           </a:p>
@@ -25436,7 +25436,7 @@
           <a:p>
             <a:fld id="{CA7C1D41-1151-4F67-9DD4-802C82914A01}" type="datetime1">
               <a:rPr lang="de-DE" smtClean="0"/>
-              <a:t>14.05.2024</a:t>
+              <a:t>16.05.2024</a:t>
             </a:fld>
             <a:endParaRPr lang="de-DE"/>
           </a:p>
@@ -25691,7 +25691,7 @@
           <a:p>
             <a:fld id="{CA7C1D41-1151-4F67-9DD4-802C82914A01}" type="datetime1">
               <a:rPr lang="de-DE" smtClean="0"/>
-              <a:t>14.05.2024</a:t>
+              <a:t>16.05.2024</a:t>
             </a:fld>
             <a:endParaRPr lang="de-DE"/>
           </a:p>
@@ -25932,7 +25932,7 @@
           <a:p>
             <a:fld id="{CA7C1D41-1151-4F67-9DD4-802C82914A01}" type="datetime1">
               <a:rPr lang="de-DE" smtClean="0"/>
-              <a:t>14.05.2024</a:t>
+              <a:t>16.05.2024</a:t>
             </a:fld>
             <a:endParaRPr lang="de-DE"/>
           </a:p>
@@ -26129,7 +26129,7 @@
           <a:p>
             <a:fld id="{CA7C1D41-1151-4F67-9DD4-802C82914A01}" type="datetime1">
               <a:rPr lang="de-DE" smtClean="0"/>
-              <a:t>14.05.2024</a:t>
+              <a:t>16.05.2024</a:t>
             </a:fld>
             <a:endParaRPr lang="de-DE"/>
           </a:p>
@@ -26354,7 +26354,7 @@
           <a:p>
             <a:fld id="{CA7C1D41-1151-4F67-9DD4-802C82914A01}" type="datetime1">
               <a:rPr lang="de-DE" smtClean="0"/>
-              <a:t>14.05.2024</a:t>
+              <a:t>16.05.2024</a:t>
             </a:fld>
             <a:endParaRPr lang="de-DE"/>
           </a:p>
@@ -26542,7 +26542,7 @@
           <a:p>
             <a:fld id="{CA7C1D41-1151-4F67-9DD4-802C82914A01}" type="datetime1">
               <a:rPr lang="de-DE" smtClean="0"/>
-              <a:t>14.05.2024</a:t>
+              <a:t>16.05.2024</a:t>
             </a:fld>
             <a:endParaRPr lang="de-DE"/>
           </a:p>
@@ -26662,7 +26662,7 @@
           <a:p>
             <a:fld id="{CA7C1D41-1151-4F67-9DD4-802C82914A01}" type="datetime1">
               <a:rPr lang="de-DE" smtClean="0"/>
-              <a:t>14.05.2024</a:t>
+              <a:t>16.05.2024</a:t>
             </a:fld>
             <a:endParaRPr lang="de-DE"/>
           </a:p>
@@ -26851,7 +26851,7 @@
           <a:p>
             <a:fld id="{CA7C1D41-1151-4F67-9DD4-802C82914A01}" type="datetime1">
               <a:rPr lang="de-DE" smtClean="0"/>
-              <a:t>14.05.2024</a:t>
+              <a:t>16.05.2024</a:t>
             </a:fld>
             <a:endParaRPr lang="de-DE"/>
           </a:p>
@@ -27358,7 +27358,7 @@
           <a:p>
             <a:fld id="{CA7C1D41-1151-4F67-9DD4-802C82914A01}" type="datetime1">
               <a:rPr lang="de-DE" smtClean="0"/>
-              <a:t>14.05.2024</a:t>
+              <a:t>16.05.2024</a:t>
             </a:fld>
             <a:endParaRPr lang="de-DE"/>
           </a:p>
@@ -27520,7 +27520,7 @@
           <a:p>
             <a:fld id="{CA7C1D41-1151-4F67-9DD4-802C82914A01}" type="datetime1">
               <a:rPr lang="de-DE" smtClean="0"/>
-              <a:t>14.05.2024</a:t>
+              <a:t>16.05.2024</a:t>
             </a:fld>
             <a:endParaRPr lang="de-DE"/>
           </a:p>
@@ -27692,7 +27692,7 @@
           <a:p>
             <a:fld id="{CA7C1D41-1151-4F67-9DD4-802C82914A01}" type="datetime1">
               <a:rPr lang="de-DE" smtClean="0"/>
-              <a:t>14.05.2024</a:t>
+              <a:t>16.05.2024</a:t>
             </a:fld>
             <a:endParaRPr lang="de-DE"/>
           </a:p>
@@ -27874,7 +27874,7 @@
           <a:p>
             <a:fld id="{CA7C1D41-1151-4F67-9DD4-802C82914A01}" type="datetime1">
               <a:rPr lang="de-DE" smtClean="0"/>
-              <a:t>14.05.2024</a:t>
+              <a:t>16.05.2024</a:t>
             </a:fld>
             <a:endParaRPr lang="de-DE"/>
           </a:p>
@@ -28038,7 +28038,7 @@
           <a:p>
             <a:fld id="{CA7C1D41-1151-4F67-9DD4-802C82914A01}" type="datetime1">
               <a:rPr lang="de-DE" smtClean="0"/>
-              <a:t>14.05.2024</a:t>
+              <a:t>16.05.2024</a:t>
             </a:fld>
             <a:endParaRPr lang="de-DE"/>
           </a:p>
@@ -28220,7 +28220,7 @@
           <a:p>
             <a:fld id="{CA7C1D41-1151-4F67-9DD4-802C82914A01}" type="datetime1">
               <a:rPr lang="de-DE" smtClean="0"/>
-              <a:t>14.05.2024</a:t>
+              <a:t>16.05.2024</a:t>
             </a:fld>
             <a:endParaRPr lang="de-DE"/>
           </a:p>
@@ -28458,7 +28458,7 @@
           <a:p>
             <a:fld id="{CA7C1D41-1151-4F67-9DD4-802C82914A01}" type="datetime1">
               <a:rPr lang="de-DE" smtClean="0"/>
-              <a:t>14.05.2024</a:t>
+              <a:t>16.05.2024</a:t>
             </a:fld>
             <a:endParaRPr lang="de-DE"/>
           </a:p>
@@ -28753,7 +28753,7 @@
           <a:p>
             <a:fld id="{CA7C1D41-1151-4F67-9DD4-802C82914A01}" type="datetime1">
               <a:rPr lang="de-DE" smtClean="0"/>
-              <a:t>14.05.2024</a:t>
+              <a:t>16.05.2024</a:t>
             </a:fld>
             <a:endParaRPr lang="de-DE"/>
           </a:p>
@@ -28905,7 +28905,7 @@
           <a:p>
             <a:fld id="{CA7C1D41-1151-4F67-9DD4-802C82914A01}" type="datetime1">
               <a:rPr lang="de-DE" smtClean="0"/>
-              <a:t>14.05.2024</a:t>
+              <a:t>16.05.2024</a:t>
             </a:fld>
             <a:endParaRPr lang="de-DE"/>
           </a:p>
@@ -29150,7 +29150,7 @@
           <a:p>
             <a:fld id="{CA7C1D41-1151-4F67-9DD4-802C82914A01}" type="datetime1">
               <a:rPr lang="de-DE" smtClean="0"/>
-              <a:t>14.05.2024</a:t>
+              <a:t>16.05.2024</a:t>
             </a:fld>
             <a:endParaRPr lang="de-DE"/>
           </a:p>
@@ -29270,7 +29270,7 @@
           <a:p>
             <a:fld id="{CA7C1D41-1151-4F67-9DD4-802C82914A01}" type="datetime1">
               <a:rPr lang="de-DE" smtClean="0"/>
-              <a:t>14.05.2024</a:t>
+              <a:t>16.05.2024</a:t>
             </a:fld>
             <a:endParaRPr lang="de-DE"/>
           </a:p>
@@ -29420,7 +29420,7 @@
           <a:p>
             <a:fld id="{CA7C1D41-1151-4F67-9DD4-802C82914A01}" type="datetime1">
               <a:rPr lang="de-DE" smtClean="0"/>
-              <a:t>14.05.2024</a:t>
+              <a:t>16.05.2024</a:t>
             </a:fld>
             <a:endParaRPr lang="de-DE"/>
           </a:p>
@@ -29661,7 +29661,7 @@
           <a:p>
             <a:fld id="{CA7C1D41-1151-4F67-9DD4-802C82914A01}" type="datetime1">
               <a:rPr lang="de-DE" smtClean="0"/>
-              <a:t>14.05.2024</a:t>
+              <a:t>16.05.2024</a:t>
             </a:fld>
             <a:endParaRPr lang="de-DE"/>
           </a:p>
@@ -29956,7 +29956,7 @@
           <a:p>
             <a:fld id="{CA7C1D41-1151-4F67-9DD4-802C82914A01}" type="datetime1">
               <a:rPr lang="de-DE" smtClean="0"/>
-              <a:t>14.05.2024</a:t>
+              <a:t>16.05.2024</a:t>
             </a:fld>
             <a:endParaRPr lang="de-DE"/>
           </a:p>
@@ -30281,7 +30281,7 @@
           <a:p>
             <a:fld id="{CA7C1D41-1151-4F67-9DD4-802C82914A01}" type="datetime1">
               <a:rPr lang="de-DE" smtClean="0"/>
-              <a:t>14.05.2024</a:t>
+              <a:t>16.05.2024</a:t>
             </a:fld>
             <a:endParaRPr lang="de-DE"/>
           </a:p>
@@ -30431,7 +30431,7 @@
           <a:p>
             <a:fld id="{CA7C1D41-1151-4F67-9DD4-802C82914A01}" type="datetime1">
               <a:rPr lang="de-DE" smtClean="0"/>
-              <a:t>14.05.2024</a:t>
+              <a:t>16.05.2024</a:t>
             </a:fld>
             <a:endParaRPr lang="de-DE"/>
           </a:p>
@@ -30672,7 +30672,7 @@
           <a:p>
             <a:fld id="{CA7C1D41-1151-4F67-9DD4-802C82914A01}" type="datetime1">
               <a:rPr lang="de-DE" smtClean="0"/>
-              <a:t>14.05.2024</a:t>
+              <a:t>16.05.2024</a:t>
             </a:fld>
             <a:endParaRPr lang="de-DE"/>
           </a:p>
@@ -30948,7 +30948,7 @@
           <a:p>
             <a:fld id="{CA7C1D41-1151-4F67-9DD4-802C82914A01}" type="datetime1">
               <a:rPr lang="de-DE" smtClean="0"/>
-              <a:t>14.05.2024</a:t>
+              <a:t>16.05.2024</a:t>
             </a:fld>
             <a:endParaRPr lang="de-DE"/>
           </a:p>
@@ -31438,7 +31438,7 @@
           <a:p>
             <a:fld id="{CA7C1D41-1151-4F67-9DD4-802C82914A01}" type="datetime1">
               <a:rPr lang="de-DE" smtClean="0"/>
-              <a:t>14.05.2024</a:t>
+              <a:t>16.05.2024</a:t>
             </a:fld>
             <a:endParaRPr lang="de-DE"/>
           </a:p>
@@ -31600,7 +31600,7 @@
           <a:p>
             <a:fld id="{CA7C1D41-1151-4F67-9DD4-802C82914A01}" type="datetime1">
               <a:rPr lang="de-DE" smtClean="0"/>
-              <a:t>14.05.2024</a:t>
+              <a:t>16.05.2024</a:t>
             </a:fld>
             <a:endParaRPr lang="de-DE"/>
           </a:p>
@@ -31720,7 +31720,7 @@
           <a:p>
             <a:fld id="{CA7C1D41-1151-4F67-9DD4-802C82914A01}" type="datetime1">
               <a:rPr lang="de-DE" smtClean="0"/>
-              <a:t>14.05.2024</a:t>
+              <a:t>16.05.2024</a:t>
             </a:fld>
             <a:endParaRPr lang="de-DE"/>
           </a:p>
@@ -31870,7 +31870,7 @@
           <a:p>
             <a:fld id="{CA7C1D41-1151-4F67-9DD4-802C82914A01}" type="datetime1">
               <a:rPr lang="de-DE" smtClean="0"/>
-              <a:t>14.05.2024</a:t>
+              <a:t>16.05.2024</a:t>
             </a:fld>
             <a:endParaRPr lang="de-DE"/>
           </a:p>
@@ -32112,7 +32112,7 @@
           <a:p>
             <a:fld id="{CA7C1D41-1151-4F67-9DD4-802C82914A01}" type="datetime1">
               <a:rPr lang="de-DE" smtClean="0"/>
-              <a:t>14.05.2024</a:t>
+              <a:t>16.05.2024</a:t>
             </a:fld>
             <a:endParaRPr lang="de-DE"/>
           </a:p>
@@ -32421,7 +32421,7 @@
           <a:p>
             <a:fld id="{CA7C1D41-1151-4F67-9DD4-802C82914A01}" type="datetime1">
               <a:rPr lang="de-DE" smtClean="0"/>
-              <a:t>14.05.2024</a:t>
+              <a:t>16.05.2024</a:t>
             </a:fld>
             <a:endParaRPr lang="de-DE"/>
           </a:p>
@@ -32760,7 +32760,7 @@
           <a:p>
             <a:fld id="{CA7C1D41-1151-4F67-9DD4-802C82914A01}" type="datetime1">
               <a:rPr lang="de-DE" smtClean="0"/>
-              <a:t>14.05.2024</a:t>
+              <a:t>16.05.2024</a:t>
             </a:fld>
             <a:endParaRPr lang="de-DE"/>
           </a:p>
@@ -32910,7 +32910,7 @@
           <a:p>
             <a:fld id="{CA7C1D41-1151-4F67-9DD4-802C82914A01}" type="datetime1">
               <a:rPr lang="de-DE" smtClean="0"/>
-              <a:t>14.05.2024</a:t>
+              <a:t>16.05.2024</a:t>
             </a:fld>
             <a:endParaRPr lang="de-DE"/>
           </a:p>
@@ -33113,7 +33113,7 @@
           <a:p>
             <a:fld id="{CA7C1D41-1151-4F67-9DD4-802C82914A01}" type="datetime1">
               <a:rPr lang="de-DE" smtClean="0"/>
-              <a:t>14.05.2024</a:t>
+              <a:t>16.05.2024</a:t>
             </a:fld>
             <a:endParaRPr lang="de-DE"/>
           </a:p>
@@ -33346,7 +33346,7 @@
           <a:p>
             <a:fld id="{CA7C1D41-1151-4F67-9DD4-802C82914A01}" type="datetime1">
               <a:rPr lang="de-DE" smtClean="0"/>
-              <a:t>14.05.2024</a:t>
+              <a:t>16.05.2024</a:t>
             </a:fld>
             <a:endParaRPr lang="de-DE"/>
           </a:p>
@@ -33496,7 +33496,7 @@
           <a:p>
             <a:fld id="{CA7C1D41-1151-4F67-9DD4-802C82914A01}" type="datetime1">
               <a:rPr lang="de-DE" smtClean="0"/>
-              <a:t>14.05.2024</a:t>
+              <a:t>16.05.2024</a:t>
             </a:fld>
             <a:endParaRPr lang="de-DE"/>
           </a:p>
@@ -33685,7 +33685,7 @@
           <a:p>
             <a:fld id="{CA7C1D41-1151-4F67-9DD4-802C82914A01}" type="datetime1">
               <a:rPr lang="de-DE" smtClean="0"/>
-              <a:t>14.05.2024</a:t>
+              <a:t>16.05.2024</a:t>
             </a:fld>
             <a:endParaRPr lang="de-DE"/>
           </a:p>
@@ -34036,7 +34036,7 @@
                 </a:solidFill>
                 <a:sym typeface="Wingdings" panose="05000000000000000000" pitchFamily="2" charset="2"/>
               </a:rPr>
-              <a:t>must outlive borrowed data</a:t>
+              <a:t>may not outlive borrowed data</a:t>
             </a:r>
           </a:p>
         </p:txBody>
@@ -34064,7 +34064,7 @@
           <a:p>
             <a:fld id="{CA7C1D41-1151-4F67-9DD4-802C82914A01}" type="datetime1">
               <a:rPr lang="de-DE" smtClean="0"/>
-              <a:t>14.05.2024</a:t>
+              <a:t>16.05.2024</a:t>
             </a:fld>
             <a:endParaRPr lang="de-DE"/>
           </a:p>
@@ -34184,7 +34184,7 @@
           <a:p>
             <a:fld id="{CA7C1D41-1151-4F67-9DD4-802C82914A01}" type="datetime1">
               <a:rPr lang="de-DE" smtClean="0"/>
-              <a:t>14.05.2024</a:t>
+              <a:t>16.05.2024</a:t>
             </a:fld>
             <a:endParaRPr lang="de-DE"/>
           </a:p>
@@ -34334,7 +34334,7 @@
           <a:p>
             <a:fld id="{CA7C1D41-1151-4F67-9DD4-802C82914A01}" type="datetime1">
               <a:rPr lang="de-DE" smtClean="0"/>
-              <a:t>14.05.2024</a:t>
+              <a:t>16.05.2024</a:t>
             </a:fld>
             <a:endParaRPr lang="de-DE"/>
           </a:p>
@@ -34604,7 +34604,7 @@
           <a:p>
             <a:fld id="{CA7C1D41-1151-4F67-9DD4-802C82914A01}" type="datetime1">
               <a:rPr lang="de-DE" smtClean="0"/>
-              <a:t>14.05.2024</a:t>
+              <a:t>16.05.2024</a:t>
             </a:fld>
             <a:endParaRPr lang="de-DE"/>
           </a:p>
@@ -34904,7 +34904,7 @@
           <a:p>
             <a:fld id="{CA7C1D41-1151-4F67-9DD4-802C82914A01}" type="datetime1">
               <a:rPr lang="de-DE" smtClean="0"/>
-              <a:t>14.05.2024</a:t>
+              <a:t>16.05.2024</a:t>
             </a:fld>
             <a:endParaRPr lang="de-DE"/>
           </a:p>
@@ -35054,7 +35054,7 @@
           <a:p>
             <a:fld id="{CA7C1D41-1151-4F67-9DD4-802C82914A01}" type="datetime1">
               <a:rPr lang="de-DE" smtClean="0"/>
-              <a:t>14.05.2024</a:t>
+              <a:t>16.05.2024</a:t>
             </a:fld>
             <a:endParaRPr lang="de-DE"/>
           </a:p>
@@ -35347,7 +35347,7 @@
           <a:p>
             <a:fld id="{CA7C1D41-1151-4F67-9DD4-802C82914A01}" type="datetime1">
               <a:rPr lang="de-DE" smtClean="0"/>
-              <a:t>14.05.2024</a:t>
+              <a:t>16.05.2024</a:t>
             </a:fld>
             <a:endParaRPr lang="de-DE"/>
           </a:p>
@@ -35588,7 +35588,7 @@
           <a:p>
             <a:fld id="{CA7C1D41-1151-4F67-9DD4-802C82914A01}" type="datetime1">
               <a:rPr lang="de-DE" smtClean="0"/>
-              <a:t>14.05.2024</a:t>
+              <a:t>16.05.2024</a:t>
             </a:fld>
             <a:endParaRPr lang="de-DE"/>
           </a:p>
@@ -35829,7 +35829,7 @@
           <a:p>
             <a:fld id="{CA7C1D41-1151-4F67-9DD4-802C82914A01}" type="datetime1">
               <a:rPr lang="de-DE" smtClean="0"/>
-              <a:t>14.05.2024</a:t>
+              <a:t>16.05.2024</a:t>
             </a:fld>
             <a:endParaRPr lang="de-DE"/>
           </a:p>
@@ -36108,7 +36108,7 @@
           <a:p>
             <a:fld id="{CA7C1D41-1151-4F67-9DD4-802C82914A01}" type="datetime1">
               <a:rPr lang="de-DE" smtClean="0"/>
-              <a:t>14.05.2024</a:t>
+              <a:t>16.05.2024</a:t>
             </a:fld>
             <a:endParaRPr lang="de-DE"/>
           </a:p>
@@ -36357,7 +36357,7 @@
           <a:p>
             <a:fld id="{CA7C1D41-1151-4F67-9DD4-802C82914A01}" type="datetime1">
               <a:rPr lang="de-DE" smtClean="0"/>
-              <a:t>14.05.2024</a:t>
+              <a:t>16.05.2024</a:t>
             </a:fld>
             <a:endParaRPr lang="de-DE"/>
           </a:p>
@@ -37121,7 +37121,7 @@
           <a:p>
             <a:fld id="{CA7C1D41-1151-4F67-9DD4-802C82914A01}" type="datetime1">
               <a:rPr lang="de-DE" smtClean="0"/>
-              <a:t>14.05.2024</a:t>
+              <a:t>16.05.2024</a:t>
             </a:fld>
             <a:endParaRPr lang="de-DE"/>
           </a:p>
@@ -37241,7 +37241,7 @@
           <a:p>
             <a:fld id="{CA7C1D41-1151-4F67-9DD4-802C82914A01}" type="datetime1">
               <a:rPr lang="de-DE" smtClean="0"/>
-              <a:t>14.05.2024</a:t>
+              <a:t>16.05.2024</a:t>
             </a:fld>
             <a:endParaRPr lang="de-DE"/>
           </a:p>
@@ -38100,7 +38100,7 @@
           <a:p>
             <a:fld id="{CA7C1D41-1151-4F67-9DD4-802C82914A01}" type="datetime1">
               <a:rPr lang="de-DE" smtClean="0"/>
-              <a:t>14.05.2024</a:t>
+              <a:t>16.05.2024</a:t>
             </a:fld>
             <a:endParaRPr lang="de-DE"/>
           </a:p>
@@ -39034,7 +39034,7 @@
           <a:p>
             <a:fld id="{CA7C1D41-1151-4F67-9DD4-802C82914A01}" type="datetime1">
               <a:rPr lang="de-DE" smtClean="0"/>
-              <a:t>14.05.2024</a:t>
+              <a:t>16.05.2024</a:t>
             </a:fld>
             <a:endParaRPr lang="de-DE"/>
           </a:p>
@@ -39972,7 +39972,7 @@
           <a:p>
             <a:fld id="{CA7C1D41-1151-4F67-9DD4-802C82914A01}" type="datetime1">
               <a:rPr lang="de-DE" smtClean="0"/>
-              <a:t>14.05.2024</a:t>
+              <a:t>16.05.2024</a:t>
             </a:fld>
             <a:endParaRPr lang="de-DE"/>
           </a:p>
@@ -40911,7 +40911,7 @@
           <a:p>
             <a:fld id="{CA7C1D41-1151-4F67-9DD4-802C82914A01}" type="datetime1">
               <a:rPr lang="de-DE" smtClean="0"/>
-              <a:t>14.05.2024</a:t>
+              <a:t>16.05.2024</a:t>
             </a:fld>
             <a:endParaRPr lang="de-DE"/>
           </a:p>
@@ -41849,7 +41849,7 @@
           <a:p>
             <a:fld id="{CA7C1D41-1151-4F67-9DD4-802C82914A01}" type="datetime1">
               <a:rPr lang="de-DE" smtClean="0"/>
-              <a:t>14.05.2024</a:t>
+              <a:t>16.05.2024</a:t>
             </a:fld>
             <a:endParaRPr lang="de-DE"/>
           </a:p>
@@ -42787,7 +42787,7 @@
           <a:p>
             <a:fld id="{CA7C1D41-1151-4F67-9DD4-802C82914A01}" type="datetime1">
               <a:rPr lang="de-DE" smtClean="0"/>
-              <a:t>14.05.2024</a:t>
+              <a:t>16.05.2024</a:t>
             </a:fld>
             <a:endParaRPr lang="de-DE"/>
           </a:p>
@@ -43710,7 +43710,7 @@
           <a:p>
             <a:fld id="{CA7C1D41-1151-4F67-9DD4-802C82914A01}" type="datetime1">
               <a:rPr lang="de-DE" smtClean="0"/>
-              <a:t>14.05.2024</a:t>
+              <a:t>16.05.2024</a:t>
             </a:fld>
             <a:endParaRPr lang="de-DE"/>
           </a:p>
@@ -44511,7 +44511,7 @@
           <a:p>
             <a:fld id="{CA7C1D41-1151-4F67-9DD4-802C82914A01}" type="datetime1">
               <a:rPr lang="de-DE" smtClean="0"/>
-              <a:t>14.05.2024</a:t>
+              <a:t>16.05.2024</a:t>
             </a:fld>
             <a:endParaRPr lang="de-DE"/>
           </a:p>
@@ -44715,7 +44715,7 @@
           <a:p>
             <a:fld id="{CA7C1D41-1151-4F67-9DD4-802C82914A01}" type="datetime1">
               <a:rPr lang="de-DE" smtClean="0"/>
-              <a:t>14.05.2024</a:t>
+              <a:t>16.05.2024</a:t>
             </a:fld>
             <a:endParaRPr lang="de-DE"/>
           </a:p>
